--- a/events/2022-03-16/slides/00-index.pptx
+++ b/events/2022-03-16/slides/00-index.pptx
@@ -5,11 +5,12 @@
     <p:sldMasterId id="2147483660" r:id="rId1"/>
   </p:sldMasterIdLst>
   <p:notesMasterIdLst>
-    <p:notesMasterId r:id="rId4"/>
+    <p:notesMasterId r:id="rId5"/>
   </p:notesMasterIdLst>
   <p:sldIdLst>
     <p:sldId id="256" r:id="rId2"/>
     <p:sldId id="365" r:id="rId3"/>
+    <p:sldId id="366" r:id="rId4"/>
   </p:sldIdLst>
   <p:sldSz cx="9144000" cy="6858000" type="screen4x3"/>
   <p:notesSz cx="6858000" cy="9144000"/>
@@ -224,7 +225,7 @@
             <a:fld id="{35305EB0-020F-4995-961E-A35B2BB78D2B}" type="datetimeFigureOut">
               <a:rPr kumimoji="1" lang="ja-JP" altLang="en-US" smtClean="0"/>
               <a:pPr/>
-              <a:t>2022/3/6</a:t>
+              <a:t>2022/3/13</a:t>
             </a:fld>
             <a:endParaRPr kumimoji="1" lang="ja-JP" altLang="en-US"/>
           </a:p>
@@ -52816,16 +52817,28 @@
               <a:t>5. </a:t>
             </a:r>
             <a:r>
-              <a:rPr lang="ja-JP" altLang="en-US" dirty="0"/>
-              <a:t>教育研究における一歩進んだ</a:t>
+              <a:rPr lang="en-US" altLang="ja-JP" dirty="0" err="1"/>
+              <a:t>u</a:t>
             </a:r>
             <a:r>
-              <a:rPr lang="en-US" altLang="ja-JP" dirty="0"/>
-              <a:t>ICT</a:t>
+              <a:rPr lang="en-US" altLang="ja-JP" dirty="0" err="1">
+                <a:highlight>
+                  <a:srgbClr val="FFFF00"/>
+                </a:highlight>
+              </a:rPr>
+              <a:t>telecon</a:t>
+            </a:r>
+            <a:r>
+              <a:rPr lang="ja-JP" altLang="en-US" dirty="0">
+                <a:highlight>
+                  <a:srgbClr val="FFFF00"/>
+                </a:highlight>
+              </a:rPr>
+              <a:t>とサポータについ</a:t>
             </a:r>
             <a:r>
               <a:rPr lang="ja-JP" altLang="en-US" dirty="0"/>
-              <a:t>活用に向けて</a:t>
+              <a:t>て </a:t>
             </a:r>
             <a:r>
               <a:rPr lang="en-US" altLang="ja-JP" sz="2000" dirty="0"/>
@@ -52921,12 +52934,299 @@
           </a:p>
         </p:txBody>
       </p:sp>
+    </p:spTree>
+  </p:cSld>
+  <p:clrMapOvr>
+    <a:masterClrMapping/>
+  </p:clrMapOvr>
+</p:sld>
+</file>
+
+<file path=ppt/slides/slide3.xml><?xml version="1.0" encoding="utf-8"?>
+<p:sld xmlns:a="http://schemas.openxmlformats.org/drawingml/2006/main" xmlns:r="http://schemas.openxmlformats.org/officeDocument/2006/relationships" xmlns:p="http://schemas.openxmlformats.org/presentationml/2006/main">
+  <p:cSld>
+    <p:spTree>
+      <p:nvGrpSpPr>
+        <p:cNvPr id="1" name=""/>
+        <p:cNvGrpSpPr/>
+        <p:nvPr/>
+      </p:nvGrpSpPr>
+      <p:grpSpPr>
+        <a:xfrm>
+          <a:off x="0" y="0"/>
+          <a:ext cx="0" cy="0"/>
+          <a:chOff x="0" y="0"/>
+          <a:chExt cx="0" cy="0"/>
+        </a:xfrm>
+      </p:grpSpPr>
+      <p:sp>
+        <p:nvSpPr>
+          <p:cNvPr id="2" name="タイトル 1">
+            <a:extLst>
+              <a:ext uri="{FF2B5EF4-FFF2-40B4-BE49-F238E27FC236}">
+                <a16:creationId xmlns:a16="http://schemas.microsoft.com/office/drawing/2014/main" id="{3EAA5BD3-E938-4F11-B0F4-2316FF60E0A8}"/>
+              </a:ext>
+            </a:extLst>
+          </p:cNvPr>
+          <p:cNvSpPr>
+            <a:spLocks noGrp="1"/>
+          </p:cNvSpPr>
+          <p:nvPr>
+            <p:ph type="title"/>
+          </p:nvPr>
+        </p:nvSpPr>
+        <p:spPr/>
+        <p:txBody>
+          <a:bodyPr/>
+          <a:lstStyle/>
+          <a:p>
+            <a:r>
+              <a:rPr kumimoji="1" lang="ja-JP" altLang="en-US" dirty="0"/>
+              <a:t>質問とご意見</a:t>
+            </a:r>
+          </a:p>
+        </p:txBody>
+      </p:sp>
+      <p:sp>
+        <p:nvSpPr>
+          <p:cNvPr id="3" name="コンテンツ プレースホルダー 2">
+            <a:extLst>
+              <a:ext uri="{FF2B5EF4-FFF2-40B4-BE49-F238E27FC236}">
+                <a16:creationId xmlns:a16="http://schemas.microsoft.com/office/drawing/2014/main" id="{600AC3DC-82E4-4B1F-A951-ACD4E388BB0A}"/>
+              </a:ext>
+            </a:extLst>
+          </p:cNvPr>
+          <p:cNvSpPr>
+            <a:spLocks noGrp="1"/>
+          </p:cNvSpPr>
+          <p:nvPr>
+            <p:ph idx="1"/>
+          </p:nvPr>
+        </p:nvSpPr>
+        <p:spPr>
+          <a:xfrm>
+            <a:off x="457200" y="1500175"/>
+            <a:ext cx="8686800" cy="3867956"/>
+          </a:xfrm>
+        </p:spPr>
+        <p:txBody>
+          <a:bodyPr>
+            <a:normAutofit fontScale="92500"/>
+          </a:bodyPr>
+          <a:lstStyle/>
+          <a:p>
+            <a:r>
+              <a:rPr kumimoji="1" lang="en-US" altLang="ja-JP" dirty="0" err="1"/>
+              <a:t>LearnWiz</a:t>
+            </a:r>
+            <a:r>
+              <a:rPr kumimoji="1" lang="en-US" altLang="ja-JP" dirty="0"/>
+              <a:t> One</a:t>
+            </a:r>
+            <a:r>
+              <a:rPr kumimoji="1" lang="ja-JP" altLang="en-US" dirty="0"/>
+              <a:t>というシステム</a:t>
+            </a:r>
+            <a:r>
+              <a:rPr kumimoji="1" lang="en-US" altLang="ja-JP" dirty="0"/>
+              <a:t>(※)</a:t>
+            </a:r>
+            <a:r>
+              <a:rPr kumimoji="1" lang="ja-JP" altLang="en-US" dirty="0"/>
+              <a:t>を使います</a:t>
+            </a:r>
+            <a:endParaRPr kumimoji="1" lang="en-US" altLang="ja-JP" dirty="0"/>
+          </a:p>
+          <a:p>
+            <a:pPr lvl="1"/>
+            <a:r>
+              <a:rPr lang="ja-JP" altLang="en-US" dirty="0"/>
+              <a:t>質問用</a:t>
+            </a:r>
+            <a:endParaRPr lang="en-US" altLang="ja-JP" dirty="0"/>
+          </a:p>
+          <a:p>
+            <a:pPr lvl="2"/>
+            <a:r>
+              <a:rPr lang="ja-JP" altLang="en-US" dirty="0"/>
+              <a:t>説明内容やそれに関連する質問</a:t>
+            </a:r>
+            <a:endParaRPr lang="en-US" altLang="ja-JP" dirty="0"/>
+          </a:p>
+          <a:p>
+            <a:pPr lvl="1"/>
+            <a:r>
+              <a:rPr kumimoji="1" lang="ja-JP" altLang="en-US" dirty="0"/>
+              <a:t>ご意見・要望・コメント用</a:t>
+            </a:r>
+            <a:endParaRPr kumimoji="1" lang="en-US" altLang="ja-JP" dirty="0"/>
+          </a:p>
+          <a:p>
+            <a:pPr lvl="2"/>
+            <a:r>
+              <a:rPr lang="en-US" altLang="ja-JP" dirty="0" err="1"/>
+              <a:t>utelecon</a:t>
+            </a:r>
+            <a:r>
+              <a:rPr lang="en-US" altLang="ja-JP" dirty="0"/>
+              <a:t>, </a:t>
+            </a:r>
+            <a:r>
+              <a:rPr lang="ja-JP" altLang="en-US" dirty="0"/>
+              <a:t>説明会、全学の</a:t>
+            </a:r>
+            <a:r>
+              <a:rPr lang="en-US" altLang="ja-JP" dirty="0"/>
+              <a:t>ICT</a:t>
+            </a:r>
+            <a:r>
+              <a:rPr lang="ja-JP" altLang="en-US" dirty="0"/>
+              <a:t>への感想、要望、なんでも</a:t>
+            </a:r>
+            <a:endParaRPr kumimoji="1" lang="en-US" altLang="ja-JP" dirty="0"/>
+          </a:p>
+          <a:p>
+            <a:pPr lvl="2"/>
+            <a:r>
+              <a:rPr lang="ja-JP" altLang="en-US" dirty="0"/>
+              <a:t>説明会後に少し意見交換の時間を取ります</a:t>
+            </a:r>
+            <a:endParaRPr lang="en-US" altLang="ja-JP" dirty="0"/>
+          </a:p>
+          <a:p>
+            <a:r>
+              <a:rPr kumimoji="1" lang="en-US" altLang="ja-JP" dirty="0" err="1"/>
+              <a:t>LearnWiz</a:t>
+            </a:r>
+            <a:r>
+              <a:rPr kumimoji="1" lang="en-US" altLang="ja-JP" dirty="0"/>
+              <a:t> One</a:t>
+            </a:r>
+            <a:r>
+              <a:rPr kumimoji="1" lang="ja-JP" altLang="en-US" dirty="0"/>
+              <a:t>の</a:t>
+            </a:r>
+            <a:r>
+              <a:rPr kumimoji="1" lang="ja-JP" altLang="en-US" dirty="0">
+                <a:highlight>
+                  <a:srgbClr val="FFFF00"/>
+                </a:highlight>
+              </a:rPr>
+              <a:t>「いいね」機能やランダムにほかの人の意見が見える点についての説明</a:t>
+            </a:r>
+            <a:r>
+              <a:rPr kumimoji="1" lang="ja-JP" altLang="en-US" dirty="0"/>
+              <a:t>は</a:t>
+            </a:r>
+            <a:r>
+              <a:rPr kumimoji="1" lang="en-US" altLang="ja-JP" dirty="0"/>
+              <a:t>?</a:t>
+            </a:r>
+          </a:p>
+        </p:txBody>
+      </p:sp>
+      <p:sp>
+        <p:nvSpPr>
+          <p:cNvPr id="4" name="日付プレースホルダー 3">
+            <a:extLst>
+              <a:ext uri="{FF2B5EF4-FFF2-40B4-BE49-F238E27FC236}">
+                <a16:creationId xmlns:a16="http://schemas.microsoft.com/office/drawing/2014/main" id="{343FDB1E-4D7E-4B40-AC75-F59166A7D3C1}"/>
+              </a:ext>
+            </a:extLst>
+          </p:cNvPr>
+          <p:cNvSpPr>
+            <a:spLocks noGrp="1"/>
+          </p:cNvSpPr>
+          <p:nvPr>
+            <p:ph type="dt" sz="half" idx="10"/>
+          </p:nvPr>
+        </p:nvSpPr>
+        <p:spPr/>
+        <p:txBody>
+          <a:bodyPr/>
+          <a:lstStyle/>
+          <a:p>
+            <a:r>
+              <a:rPr kumimoji="1" lang="en-US" altLang="ja-JP"/>
+              <a:t>2022/3/16</a:t>
+            </a:r>
+            <a:endParaRPr kumimoji="1" lang="ja-JP" altLang="en-US"/>
+          </a:p>
+        </p:txBody>
+      </p:sp>
+      <p:sp>
+        <p:nvSpPr>
+          <p:cNvPr id="5" name="フッター プレースホルダー 4">
+            <a:extLst>
+              <a:ext uri="{FF2B5EF4-FFF2-40B4-BE49-F238E27FC236}">
+                <a16:creationId xmlns:a16="http://schemas.microsoft.com/office/drawing/2014/main" id="{9819EF8A-E291-446E-845C-C263BAAF4D0A}"/>
+              </a:ext>
+            </a:extLst>
+          </p:cNvPr>
+          <p:cNvSpPr>
+            <a:spLocks noGrp="1"/>
+          </p:cNvSpPr>
+          <p:nvPr>
+            <p:ph type="ftr" sz="quarter" idx="11"/>
+          </p:nvPr>
+        </p:nvSpPr>
+        <p:spPr/>
+        <p:txBody>
+          <a:bodyPr/>
+          <a:lstStyle/>
+          <a:p>
+            <a:r>
+              <a:rPr kumimoji="1" lang="en-US" altLang="ja-JP"/>
+              <a:t>2022 S</a:t>
+            </a:r>
+            <a:r>
+              <a:rPr kumimoji="1" lang="ja-JP" altLang="en-US"/>
+              <a:t>セメスタ 説明会 </a:t>
+            </a:r>
+            <a:r>
+              <a:rPr kumimoji="1" lang="en-US" altLang="ja-JP"/>
+              <a:t>https://utelecon.adm.u-tokyo.ac.jp/</a:t>
+            </a:r>
+            <a:endParaRPr kumimoji="1" lang="ja-JP" altLang="en-US"/>
+          </a:p>
+        </p:txBody>
+      </p:sp>
+      <p:sp>
+        <p:nvSpPr>
+          <p:cNvPr id="6" name="スライド番号プレースホルダー 5">
+            <a:extLst>
+              <a:ext uri="{FF2B5EF4-FFF2-40B4-BE49-F238E27FC236}">
+                <a16:creationId xmlns:a16="http://schemas.microsoft.com/office/drawing/2014/main" id="{7B801C65-2503-4081-BFED-B3B4AC0D980D}"/>
+              </a:ext>
+            </a:extLst>
+          </p:cNvPr>
+          <p:cNvSpPr>
+            <a:spLocks noGrp="1"/>
+          </p:cNvSpPr>
+          <p:nvPr>
+            <p:ph type="sldNum" sz="quarter" idx="12"/>
+          </p:nvPr>
+        </p:nvSpPr>
+        <p:spPr/>
+        <p:txBody>
+          <a:bodyPr/>
+          <a:lstStyle/>
+          <a:p>
+            <a:fld id="{EDF77D8D-9987-453A-9A05-EB91CA595C68}" type="slidenum">
+              <a:rPr kumimoji="1" lang="ja-JP" altLang="en-US" smtClean="0"/>
+              <a:pPr/>
+              <a:t>3</a:t>
+            </a:fld>
+            <a:endParaRPr kumimoji="1" lang="ja-JP" altLang="en-US"/>
+          </a:p>
+        </p:txBody>
+      </p:sp>
       <p:sp>
         <p:nvSpPr>
           <p:cNvPr id="7" name="正方形/長方形 6">
             <a:extLst>
               <a:ext uri="{FF2B5EF4-FFF2-40B4-BE49-F238E27FC236}">
-                <a16:creationId xmlns:a16="http://schemas.microsoft.com/office/drawing/2014/main" id="{E35EBA2B-7AAB-446B-B4AC-9F9982BDAD37}"/>
+                <a16:creationId xmlns:a16="http://schemas.microsoft.com/office/drawing/2014/main" id="{79969458-52E2-4C71-BD32-D84D78A5BC1E}"/>
               </a:ext>
             </a:extLst>
           </p:cNvPr>
@@ -52935,8 +53235,8 @@
         </p:nvSpPr>
         <p:spPr>
           <a:xfrm>
-            <a:off x="894420" y="5321716"/>
-            <a:ext cx="7355160" cy="1261646"/>
+            <a:off x="2123728" y="5733256"/>
+            <a:ext cx="6408712" cy="623094"/>
           </a:xfrm>
           <a:prstGeom prst="rect">
             <a:avLst/>
@@ -52968,96 +53268,22 @@
           <a:bodyPr rtlCol="0" anchor="ctr"/>
           <a:lstStyle/>
           <a:p>
-            <a:pPr algn="ctr"/>
-            <a:r>
-              <a:rPr kumimoji="1" lang="ja-JP" altLang="en-US" dirty="0">
-                <a:solidFill>
-                  <a:schemeClr val="tx1"/>
-                </a:solidFill>
-              </a:rPr>
-              <a:t>質問はいつでも</a:t>
-            </a:r>
-            <a:r>
-              <a:rPr kumimoji="1" lang="en-US" altLang="ja-JP" dirty="0">
-                <a:solidFill>
-                  <a:schemeClr val="tx1"/>
-                </a:solidFill>
-              </a:rPr>
-              <a:t>sli.do </a:t>
-            </a:r>
-            <a:r>
-              <a:rPr kumimoji="1" lang="ja-JP" altLang="en-US" dirty="0">
-                <a:solidFill>
-                  <a:schemeClr val="tx1"/>
-                </a:solidFill>
-              </a:rPr>
-              <a:t>の</a:t>
-            </a:r>
-            <a:r>
-              <a:rPr kumimoji="1" lang="en-US" altLang="ja-JP" dirty="0">
-                <a:solidFill>
-                  <a:schemeClr val="tx1"/>
-                </a:solidFill>
-              </a:rPr>
-              <a:t>Q&amp;A</a:t>
-            </a:r>
-            <a:r>
-              <a:rPr kumimoji="1" lang="ja-JP" altLang="en-US" dirty="0">
-                <a:solidFill>
-                  <a:schemeClr val="tx1"/>
-                </a:solidFill>
-              </a:rPr>
-              <a:t>へ</a:t>
-            </a:r>
-            <a:endParaRPr kumimoji="1" lang="en-US" altLang="ja-JP" dirty="0">
-              <a:solidFill>
-                <a:schemeClr val="tx1"/>
-              </a:solidFill>
-            </a:endParaRPr>
-          </a:p>
-          <a:p>
-            <a:pPr algn="ctr"/>
-            <a:r>
-              <a:rPr kumimoji="1" lang="en-US" altLang="ja-JP" dirty="0">
-                <a:solidFill>
-                  <a:schemeClr val="tx1"/>
-                </a:solidFill>
-                <a:hlinkClick r:id="rId3"/>
-              </a:rPr>
-              <a:t>https://app.sli.do/event/tgEEMDQot8CP3hGxsCjhip</a:t>
-            </a:r>
-            <a:endParaRPr lang="en-US" altLang="ja-JP" dirty="0">
-              <a:solidFill>
-                <a:schemeClr val="tx1"/>
-              </a:solidFill>
-            </a:endParaRPr>
-          </a:p>
-          <a:p>
-            <a:pPr algn="ctr"/>
             <a:r>
               <a:rPr lang="en-US" altLang="ja-JP" dirty="0">
                 <a:solidFill>
                   <a:schemeClr val="tx1"/>
                 </a:solidFill>
               </a:rPr>
-              <a:t>(</a:t>
-            </a:r>
-            <a:r>
-              <a:rPr lang="ja-JP" altLang="en-US" dirty="0">
-                <a:solidFill>
-                  <a:schemeClr val="tx1"/>
-                </a:solidFill>
-              </a:rPr>
-              <a:t>または </a:t>
+              <a:t>※ </a:t>
             </a:r>
             <a:r>
               <a:rPr lang="en-US" altLang="ja-JP" dirty="0">
                 <a:solidFill>
                   <a:schemeClr val="tx1"/>
                 </a:solidFill>
-                <a:hlinkClick r:id="rId4"/>
+                <a:hlinkClick r:id="rId2"/>
               </a:rPr>
-              <a:t>https://sli.do/</a:t>
+              <a:t>https://one.learnwiz.jp/</a:t>
             </a:r>
             <a:r>
               <a:rPr lang="en-US" altLang="ja-JP" dirty="0">
@@ -53067,44 +53293,66 @@
               </a:rPr>
               <a:t> </a:t>
             </a:r>
+          </a:p>
+          <a:p>
+            <a:r>
+              <a:rPr lang="en-US" altLang="ja-JP" dirty="0">
+                <a:solidFill>
+                  <a:schemeClr val="tx1"/>
+                </a:solidFill>
+              </a:rPr>
+              <a:t>2021</a:t>
+            </a:r>
             <a:r>
               <a:rPr lang="ja-JP" altLang="en-US" dirty="0">
                 <a:solidFill>
                   <a:schemeClr val="tx1"/>
                 </a:solidFill>
               </a:rPr>
-              <a:t>でイベントコード </a:t>
+              <a:t>年度 </a:t>
             </a:r>
             <a:r>
-              <a:rPr lang="en-US" altLang="ja-JP" dirty="0">
+              <a:rPr kumimoji="1" lang="ja-JP" altLang="en-US" dirty="0">
                 <a:solidFill>
                   <a:schemeClr val="tx1"/>
                 </a:solidFill>
-                <a:latin typeface="Courier New" panose="02070309020205020404" pitchFamily="49" charset="0"/>
-                <a:cs typeface="Courier New" panose="02070309020205020404" pitchFamily="49" charset="0"/>
+                <a:hlinkClick r:id="rId3"/>
               </a:rPr>
-              <a:t>#utelecon20220316</a:t>
+              <a:t>総長賞大賞受賞</a:t>
             </a:r>
-            <a:r>
-              <a:rPr lang="en-US" altLang="ja-JP" dirty="0">
-                <a:solidFill>
-                  <a:schemeClr val="tx1"/>
-                </a:solidFill>
-              </a:rPr>
-              <a:t> )</a:t>
-            </a:r>
-          </a:p>
-          <a:p>
-            <a:pPr algn="ctr"/>
             <a:r>
               <a:rPr lang="ja-JP" altLang="en-US" dirty="0">
                 <a:solidFill>
                   <a:schemeClr val="tx1"/>
                 </a:solidFill>
               </a:rPr>
-              <a:t>終わった後もなくなるまで受け付けます</a:t>
+              <a:t>活動（</a:t>
             </a:r>
-            <a:endParaRPr kumimoji="1" lang="ja-JP" altLang="en-US" dirty="0">
+            <a:r>
+              <a:rPr kumimoji="1" lang="ja-JP" altLang="en-US" dirty="0">
+                <a:solidFill>
+                  <a:schemeClr val="tx1"/>
+                </a:solidFill>
+              </a:rPr>
+              <a:t>中條麟太郎 文学部</a:t>
+            </a:r>
+            <a:r>
+              <a:rPr kumimoji="1" lang="en-US" altLang="ja-JP" dirty="0">
+                <a:solidFill>
+                  <a:schemeClr val="tx1"/>
+                </a:solidFill>
+              </a:rPr>
+              <a:t>3</a:t>
+            </a:r>
+            <a:r>
+              <a:rPr kumimoji="1" lang="ja-JP" altLang="en-US" dirty="0">
+                <a:solidFill>
+                  <a:schemeClr val="tx1"/>
+                </a:solidFill>
+              </a:rPr>
+              <a:t>年）</a:t>
+            </a:r>
+            <a:endParaRPr kumimoji="1" lang="en-US" altLang="ja-JP" dirty="0">
               <a:solidFill>
                 <a:schemeClr val="tx1"/>
               </a:solidFill>
@@ -53113,6 +53361,11 @@
         </p:txBody>
       </p:sp>
     </p:spTree>
+    <p:extLst>
+      <p:ext uri="{BB962C8B-B14F-4D97-AF65-F5344CB8AC3E}">
+        <p14:creationId xmlns:p14="http://schemas.microsoft.com/office/powerpoint/2010/main" val="2705707088"/>
+      </p:ext>
+    </p:extLst>
   </p:cSld>
   <p:clrMapOvr>
     <a:masterClrMapping/>

--- a/events/2022-03-16/slides/00-index.pptx
+++ b/events/2022-03-16/slides/00-index.pptx
@@ -5,12 +5,13 @@
     <p:sldMasterId id="2147483660" r:id="rId1"/>
   </p:sldMasterIdLst>
   <p:notesMasterIdLst>
-    <p:notesMasterId r:id="rId5"/>
+    <p:notesMasterId r:id="rId6"/>
   </p:notesMasterIdLst>
   <p:sldIdLst>
     <p:sldId id="256" r:id="rId2"/>
-    <p:sldId id="365" r:id="rId3"/>
-    <p:sldId id="366" r:id="rId4"/>
+    <p:sldId id="367" r:id="rId3"/>
+    <p:sldId id="365" r:id="rId4"/>
+    <p:sldId id="366" r:id="rId5"/>
   </p:sldIdLst>
   <p:sldSz cx="9144000" cy="6858000" type="screen4x3"/>
   <p:notesSz cx="6858000" cy="9144000"/>
@@ -225,7 +226,7 @@
             <a:fld id="{35305EB0-020F-4995-961E-A35B2BB78D2B}" type="datetimeFigureOut">
               <a:rPr kumimoji="1" lang="ja-JP" altLang="en-US" smtClean="0"/>
               <a:pPr/>
-              <a:t>2022/3/13</a:t>
+              <a:t>2022/3/15</a:t>
             </a:fld>
             <a:endParaRPr kumimoji="1" lang="ja-JP" altLang="en-US"/>
           </a:p>
@@ -588,7 +589,7 @@
             <a:fld id="{FD842DED-4B9B-4568-AC85-B50FA0785511}" type="slidenum">
               <a:rPr kumimoji="1" lang="ja-JP" altLang="en-US" smtClean="0"/>
               <a:pPr/>
-              <a:t>2</a:t>
+              <a:t>3</a:t>
             </a:fld>
             <a:endParaRPr kumimoji="1" lang="ja-JP" altLang="en-US"/>
           </a:p>
@@ -52672,6 +52673,380 @@
       </p:grpSpPr>
       <p:sp>
         <p:nvSpPr>
+          <p:cNvPr id="2" name="タイトル 1">
+            <a:extLst>
+              <a:ext uri="{FF2B5EF4-FFF2-40B4-BE49-F238E27FC236}">
+                <a16:creationId xmlns:a16="http://schemas.microsoft.com/office/drawing/2014/main" id="{B8D0E0AF-84BE-43D0-B25C-044C0D35E3B7}"/>
+              </a:ext>
+            </a:extLst>
+          </p:cNvPr>
+          <p:cNvSpPr>
+            <a:spLocks noGrp="1"/>
+          </p:cNvSpPr>
+          <p:nvPr>
+            <p:ph type="title"/>
+          </p:nvPr>
+        </p:nvSpPr>
+        <p:spPr/>
+        <p:txBody>
+          <a:bodyPr/>
+          <a:lstStyle/>
+          <a:p>
+            <a:r>
+              <a:rPr kumimoji="1" lang="ja-JP" altLang="en-US" dirty="0"/>
+              <a:t>開催趣旨</a:t>
+            </a:r>
+          </a:p>
+        </p:txBody>
+      </p:sp>
+      <p:sp>
+        <p:nvSpPr>
+          <p:cNvPr id="3" name="コンテンツ プレースホルダー 2">
+            <a:extLst>
+              <a:ext uri="{FF2B5EF4-FFF2-40B4-BE49-F238E27FC236}">
+                <a16:creationId xmlns:a16="http://schemas.microsoft.com/office/drawing/2014/main" id="{F1E1F0C6-BA5F-455E-A37F-7246779F046B}"/>
+              </a:ext>
+            </a:extLst>
+          </p:cNvPr>
+          <p:cNvSpPr>
+            <a:spLocks noGrp="1"/>
+          </p:cNvSpPr>
+          <p:nvPr>
+            <p:ph idx="1"/>
+          </p:nvPr>
+        </p:nvSpPr>
+        <p:spPr>
+          <a:xfrm>
+            <a:off x="457200" y="1500174"/>
+            <a:ext cx="8435280" cy="4525963"/>
+          </a:xfrm>
+        </p:spPr>
+        <p:txBody>
+          <a:bodyPr>
+            <a:normAutofit/>
+          </a:bodyPr>
+          <a:lstStyle/>
+          <a:p>
+            <a:r>
+              <a:rPr kumimoji="1" lang="ja-JP" altLang="en-US" dirty="0"/>
+              <a:t>本学の授業が初めてでもわかるよう、大学で提供する</a:t>
+            </a:r>
+            <a:r>
+              <a:rPr kumimoji="1" lang="en-US" altLang="ja-JP" dirty="0"/>
+              <a:t>ICT</a:t>
+            </a:r>
+            <a:r>
+              <a:rPr kumimoji="1" lang="ja-JP" altLang="en-US" dirty="0"/>
+              <a:t>サービスを説明</a:t>
+            </a:r>
+            <a:endParaRPr kumimoji="1" lang="en-US" altLang="ja-JP" dirty="0"/>
+          </a:p>
+          <a:p>
+            <a:r>
+              <a:rPr lang="en-US" altLang="ja-JP" dirty="0"/>
+              <a:t>ICT</a:t>
+            </a:r>
+            <a:r>
+              <a:rPr lang="ja-JP" altLang="en-US" dirty="0"/>
+              <a:t>活用が有用・必要な場面はオンライン授業だけではない</a:t>
+            </a:r>
+            <a:endParaRPr lang="en-US" altLang="ja-JP" dirty="0"/>
+          </a:p>
+          <a:p>
+            <a:pPr lvl="1"/>
+            <a:r>
+              <a:rPr lang="ja-JP" altLang="en-US" dirty="0">
+                <a:solidFill>
+                  <a:srgbClr val="C00000"/>
+                </a:solidFill>
+              </a:rPr>
+              <a:t>コロナの始まりで必須になったがコロナの終わりで不要になるのではない</a:t>
+            </a:r>
+            <a:endParaRPr lang="en-US" altLang="ja-JP" dirty="0">
+              <a:solidFill>
+                <a:srgbClr val="C00000"/>
+              </a:solidFill>
+            </a:endParaRPr>
+          </a:p>
+        </p:txBody>
+      </p:sp>
+      <p:sp>
+        <p:nvSpPr>
+          <p:cNvPr id="4" name="日付プレースホルダー 3">
+            <a:extLst>
+              <a:ext uri="{FF2B5EF4-FFF2-40B4-BE49-F238E27FC236}">
+                <a16:creationId xmlns:a16="http://schemas.microsoft.com/office/drawing/2014/main" id="{0B5622BB-C73A-40FB-A06B-E8BEBE78C965}"/>
+              </a:ext>
+            </a:extLst>
+          </p:cNvPr>
+          <p:cNvSpPr>
+            <a:spLocks noGrp="1"/>
+          </p:cNvSpPr>
+          <p:nvPr>
+            <p:ph type="dt" sz="half" idx="10"/>
+          </p:nvPr>
+        </p:nvSpPr>
+        <p:spPr/>
+        <p:txBody>
+          <a:bodyPr/>
+          <a:lstStyle/>
+          <a:p>
+            <a:r>
+              <a:rPr kumimoji="1" lang="en-US" altLang="ja-JP"/>
+              <a:t>2022/3/16</a:t>
+            </a:r>
+            <a:endParaRPr kumimoji="1" lang="ja-JP" altLang="en-US"/>
+          </a:p>
+        </p:txBody>
+      </p:sp>
+      <p:sp>
+        <p:nvSpPr>
+          <p:cNvPr id="5" name="フッター プレースホルダー 4">
+            <a:extLst>
+              <a:ext uri="{FF2B5EF4-FFF2-40B4-BE49-F238E27FC236}">
+                <a16:creationId xmlns:a16="http://schemas.microsoft.com/office/drawing/2014/main" id="{D3C24AD8-D79D-4DD2-84F5-E248B2D20DCD}"/>
+              </a:ext>
+            </a:extLst>
+          </p:cNvPr>
+          <p:cNvSpPr>
+            <a:spLocks noGrp="1"/>
+          </p:cNvSpPr>
+          <p:nvPr>
+            <p:ph type="ftr" sz="quarter" idx="11"/>
+          </p:nvPr>
+        </p:nvSpPr>
+        <p:spPr/>
+        <p:txBody>
+          <a:bodyPr/>
+          <a:lstStyle/>
+          <a:p>
+            <a:r>
+              <a:rPr kumimoji="1" lang="en-US" altLang="ja-JP"/>
+              <a:t>2022 S</a:t>
+            </a:r>
+            <a:r>
+              <a:rPr kumimoji="1" lang="ja-JP" altLang="en-US"/>
+              <a:t>セメスタ 説明会 </a:t>
+            </a:r>
+            <a:r>
+              <a:rPr kumimoji="1" lang="en-US" altLang="ja-JP"/>
+              <a:t>https://utelecon.adm.u-tokyo.ac.jp/</a:t>
+            </a:r>
+            <a:endParaRPr kumimoji="1" lang="ja-JP" altLang="en-US"/>
+          </a:p>
+        </p:txBody>
+      </p:sp>
+      <p:sp>
+        <p:nvSpPr>
+          <p:cNvPr id="6" name="スライド番号プレースホルダー 5">
+            <a:extLst>
+              <a:ext uri="{FF2B5EF4-FFF2-40B4-BE49-F238E27FC236}">
+                <a16:creationId xmlns:a16="http://schemas.microsoft.com/office/drawing/2014/main" id="{D144B316-B2EC-4CE9-834B-7D10742502BA}"/>
+              </a:ext>
+            </a:extLst>
+          </p:cNvPr>
+          <p:cNvSpPr>
+            <a:spLocks noGrp="1"/>
+          </p:cNvSpPr>
+          <p:nvPr>
+            <p:ph type="sldNum" sz="quarter" idx="12"/>
+          </p:nvPr>
+        </p:nvSpPr>
+        <p:spPr/>
+        <p:txBody>
+          <a:bodyPr/>
+          <a:lstStyle/>
+          <a:p>
+            <a:fld id="{EDF77D8D-9987-453A-9A05-EB91CA595C68}" type="slidenum">
+              <a:rPr kumimoji="1" lang="ja-JP" altLang="en-US" smtClean="0"/>
+              <a:pPr/>
+              <a:t>2</a:t>
+            </a:fld>
+            <a:endParaRPr kumimoji="1" lang="ja-JP" altLang="en-US"/>
+          </a:p>
+        </p:txBody>
+      </p:sp>
+      <p:sp>
+        <p:nvSpPr>
+          <p:cNvPr id="7" name="正方形/長方形 6">
+            <a:extLst>
+              <a:ext uri="{FF2B5EF4-FFF2-40B4-BE49-F238E27FC236}">
+                <a16:creationId xmlns:a16="http://schemas.microsoft.com/office/drawing/2014/main" id="{9336D7AE-5974-4AE9-8531-79ADCA2197FB}"/>
+              </a:ext>
+            </a:extLst>
+          </p:cNvPr>
+          <p:cNvSpPr/>
+          <p:nvPr/>
+        </p:nvSpPr>
+        <p:spPr>
+          <a:xfrm>
+            <a:off x="683568" y="4827723"/>
+            <a:ext cx="7200800" cy="1060206"/>
+          </a:xfrm>
+          <a:prstGeom prst="rect">
+            <a:avLst/>
+          </a:prstGeom>
+        </p:spPr>
+        <p:style>
+          <a:lnRef idx="2">
+            <a:schemeClr val="accent1">
+              <a:shade val="50000"/>
+            </a:schemeClr>
+          </a:lnRef>
+          <a:fillRef idx="1">
+            <a:schemeClr val="accent1"/>
+          </a:fillRef>
+          <a:effectRef idx="0">
+            <a:schemeClr val="accent1"/>
+          </a:effectRef>
+          <a:fontRef idx="minor">
+            <a:schemeClr val="lt1"/>
+          </a:fontRef>
+        </p:style>
+        <p:txBody>
+          <a:bodyPr rtlCol="0" anchor="ctr"/>
+          <a:lstStyle/>
+          <a:p>
+            <a:pPr marL="285750" indent="-285750">
+              <a:buFont typeface="Arial" panose="020B0604020202020204" pitchFamily="34" charset="0"/>
+              <a:buChar char="•"/>
+            </a:pPr>
+            <a:r>
+              <a:rPr lang="ja-JP" altLang="en-US" dirty="0">
+                <a:solidFill>
+                  <a:schemeClr val="tx1"/>
+                </a:solidFill>
+              </a:rPr>
+              <a:t>今後も</a:t>
+            </a:r>
+            <a:r>
+              <a:rPr kumimoji="1" lang="ja-JP" altLang="en-US" dirty="0">
+                <a:solidFill>
+                  <a:schemeClr val="tx1"/>
+                </a:solidFill>
+              </a:rPr>
+              <a:t>わかりやすい情報発信・質の高いサポートを目指します</a:t>
+            </a:r>
+            <a:endParaRPr lang="en-US" altLang="ja-JP" dirty="0">
+              <a:solidFill>
+                <a:schemeClr val="tx1"/>
+              </a:solidFill>
+            </a:endParaRPr>
+          </a:p>
+          <a:p>
+            <a:pPr marL="742950" lvl="1" indent="-285750">
+              <a:buFont typeface="Arial" panose="020B0604020202020204" pitchFamily="34" charset="0"/>
+              <a:buChar char="•"/>
+            </a:pPr>
+            <a:r>
+              <a:rPr lang="ja-JP" altLang="en-US" dirty="0">
+                <a:solidFill>
+                  <a:srgbClr val="00B050"/>
+                </a:solidFill>
+              </a:rPr>
+              <a:t>学生が日々活躍</a:t>
+            </a:r>
+            <a:r>
+              <a:rPr lang="ja-JP" altLang="en-US" dirty="0">
+                <a:solidFill>
+                  <a:schemeClr val="tx1"/>
+                </a:solidFill>
+              </a:rPr>
+              <a:t>しています</a:t>
+            </a:r>
+            <a:endParaRPr lang="en-US" altLang="ja-JP" dirty="0">
+              <a:solidFill>
+                <a:schemeClr val="tx1"/>
+              </a:solidFill>
+            </a:endParaRPr>
+          </a:p>
+          <a:p>
+            <a:pPr marL="742950" lvl="1" indent="-285750">
+              <a:buFont typeface="Arial" panose="020B0604020202020204" pitchFamily="34" charset="0"/>
+              <a:buChar char="•"/>
+            </a:pPr>
+            <a:r>
+              <a:rPr lang="en-US" altLang="ja-JP" dirty="0" err="1">
+                <a:solidFill>
+                  <a:schemeClr val="tx1"/>
+                </a:solidFill>
+              </a:rPr>
+              <a:t>utelecon</a:t>
+            </a:r>
+            <a:r>
+              <a:rPr lang="ja-JP" altLang="en-US" dirty="0">
+                <a:solidFill>
+                  <a:schemeClr val="tx1"/>
+                </a:solidFill>
+                <a:hlinkClick r:id="rId2"/>
+              </a:rPr>
+              <a:t>紹介</a:t>
+            </a:r>
+            <a:r>
+              <a:rPr lang="ja-JP" altLang="en-US" dirty="0">
+                <a:solidFill>
+                  <a:schemeClr val="tx1"/>
+                </a:solidFill>
+              </a:rPr>
+              <a:t>と</a:t>
+            </a:r>
+            <a:r>
+              <a:rPr lang="ja-JP" altLang="en-US" dirty="0">
+                <a:solidFill>
+                  <a:schemeClr val="tx1"/>
+                </a:solidFill>
+                <a:hlinkClick r:id="rId3"/>
+              </a:rPr>
+              <a:t>活動理念・目的</a:t>
+            </a:r>
+            <a:r>
+              <a:rPr lang="ja-JP" altLang="en-US" dirty="0">
+                <a:solidFill>
+                  <a:schemeClr val="tx1"/>
+                </a:solidFill>
+              </a:rPr>
+              <a:t>もご覧ください</a:t>
+            </a:r>
+            <a:endParaRPr kumimoji="1" lang="ja-JP" altLang="en-US" dirty="0">
+              <a:solidFill>
+                <a:schemeClr val="tx1"/>
+              </a:solidFill>
+            </a:endParaRPr>
+          </a:p>
+        </p:txBody>
+      </p:sp>
+    </p:spTree>
+    <p:extLst>
+      <p:ext uri="{BB962C8B-B14F-4D97-AF65-F5344CB8AC3E}">
+        <p14:creationId xmlns:p14="http://schemas.microsoft.com/office/powerpoint/2010/main" val="3671589039"/>
+      </p:ext>
+    </p:extLst>
+  </p:cSld>
+  <p:clrMapOvr>
+    <a:masterClrMapping/>
+  </p:clrMapOvr>
+</p:sld>
+</file>
+
+<file path=ppt/slides/slide3.xml><?xml version="1.0" encoding="utf-8"?>
+<p:sld xmlns:a="http://schemas.openxmlformats.org/drawingml/2006/main" xmlns:r="http://schemas.openxmlformats.org/officeDocument/2006/relationships" xmlns:p="http://schemas.openxmlformats.org/presentationml/2006/main">
+  <p:cSld>
+    <p:spTree>
+      <p:nvGrpSpPr>
+        <p:cNvPr id="1" name=""/>
+        <p:cNvGrpSpPr/>
+        <p:nvPr/>
+      </p:nvGrpSpPr>
+      <p:grpSpPr>
+        <a:xfrm>
+          <a:off x="0" y="0"/>
+          <a:ext cx="0" cy="0"/>
+          <a:chOff x="0" y="0"/>
+          <a:chExt cx="0" cy="0"/>
+        </a:xfrm>
+      </p:grpSpPr>
+      <p:sp>
+        <p:nvSpPr>
           <p:cNvPr id="2" name="タイトル 1"/>
           <p:cNvSpPr>
             <a:spLocks noGrp="1"/>
@@ -52738,7 +53113,15 @@
             </a:r>
             <a:r>
               <a:rPr lang="ja-JP" altLang="en-US" sz="2000" dirty="0"/>
-              <a:t>田浦 〇分</a:t>
+              <a:t>田浦 </a:t>
+            </a:r>
+            <a:r>
+              <a:rPr lang="en-US" altLang="ja-JP" sz="2000" dirty="0"/>
+              <a:t>10</a:t>
+            </a:r>
+            <a:r>
+              <a:rPr lang="ja-JP" altLang="en-US" sz="2000" dirty="0"/>
+              <a:t>分</a:t>
             </a:r>
             <a:r>
               <a:rPr lang="en-US" altLang="ja-JP" sz="2000" dirty="0"/>
@@ -52760,7 +53143,15 @@
             </a:r>
             <a:r>
               <a:rPr lang="ja-JP" altLang="en-US" sz="2000" dirty="0"/>
-              <a:t>柴山 〇分</a:t>
+              <a:t>柴山 </a:t>
+            </a:r>
+            <a:r>
+              <a:rPr lang="en-US" altLang="ja-JP" sz="2000" dirty="0"/>
+              <a:t>30</a:t>
+            </a:r>
+            <a:r>
+              <a:rPr lang="ja-JP" altLang="en-US" sz="2000" dirty="0"/>
+              <a:t>分</a:t>
             </a:r>
             <a:r>
               <a:rPr lang="en-US" altLang="ja-JP" sz="2000" dirty="0"/>
@@ -52782,7 +53173,15 @@
             </a:r>
             <a:r>
               <a:rPr lang="ja-JP" altLang="en-US" sz="2000" dirty="0"/>
-              <a:t>田浦 〇分</a:t>
+              <a:t>田浦 </a:t>
+            </a:r>
+            <a:r>
+              <a:rPr lang="en-US" altLang="ja-JP" sz="2000" dirty="0"/>
+              <a:t>15</a:t>
+            </a:r>
+            <a:r>
+              <a:rPr lang="ja-JP" altLang="en-US" sz="2000" dirty="0"/>
+              <a:t>分</a:t>
             </a:r>
             <a:r>
               <a:rPr lang="en-US" altLang="ja-JP" sz="2000" dirty="0"/>
@@ -52804,7 +53203,15 @@
             </a:r>
             <a:r>
               <a:rPr lang="ja-JP" altLang="en-US" sz="2000" dirty="0"/>
-              <a:t>玉造 〇分</a:t>
+              <a:t>玉造 </a:t>
+            </a:r>
+            <a:r>
+              <a:rPr lang="en-US" altLang="ja-JP" sz="2000" dirty="0"/>
+              <a:t>15</a:t>
+            </a:r>
+            <a:r>
+              <a:rPr lang="ja-JP" altLang="en-US" sz="2000" dirty="0"/>
+              <a:t>分</a:t>
             </a:r>
             <a:r>
               <a:rPr lang="en-US" altLang="ja-JP" sz="2000" dirty="0"/>
@@ -52818,27 +53225,11 @@
             </a:r>
             <a:r>
               <a:rPr lang="en-US" altLang="ja-JP" dirty="0" err="1"/>
-              <a:t>u</a:t>
-            </a:r>
-            <a:r>
-              <a:rPr lang="en-US" altLang="ja-JP" dirty="0" err="1">
-                <a:highlight>
-                  <a:srgbClr val="FFFF00"/>
-                </a:highlight>
-              </a:rPr>
-              <a:t>telecon</a:t>
-            </a:r>
-            <a:r>
-              <a:rPr lang="ja-JP" altLang="en-US" dirty="0">
-                <a:highlight>
-                  <a:srgbClr val="FFFF00"/>
-                </a:highlight>
-              </a:rPr>
-              <a:t>とサポータについ</a:t>
+              <a:t>utelecon</a:t>
             </a:r>
             <a:r>
               <a:rPr lang="ja-JP" altLang="en-US" dirty="0"/>
-              <a:t>て </a:t>
+              <a:t>とサポータについて </a:t>
             </a:r>
             <a:r>
               <a:rPr lang="en-US" altLang="ja-JP" sz="2000" dirty="0"/>
@@ -52846,7 +53237,15 @@
             </a:r>
             <a:r>
               <a:rPr lang="ja-JP" altLang="en-US" sz="2000" dirty="0"/>
-              <a:t>鈴木 〇分</a:t>
+              <a:t>鈴木 </a:t>
+            </a:r>
+            <a:r>
+              <a:rPr lang="en-US" altLang="ja-JP" sz="2000" dirty="0"/>
+              <a:t>20</a:t>
+            </a:r>
+            <a:r>
+              <a:rPr lang="ja-JP" altLang="en-US" sz="2000" dirty="0"/>
+              <a:t>分</a:t>
             </a:r>
             <a:r>
               <a:rPr lang="en-US" altLang="ja-JP" sz="2000" dirty="0"/>
@@ -52928,9 +53327,81 @@
             <a:fld id="{EDF77D8D-9987-453A-9A05-EB91CA595C68}" type="slidenum">
               <a:rPr kumimoji="1" lang="ja-JP" altLang="en-US" smtClean="0"/>
               <a:pPr/>
-              <a:t>2</a:t>
+              <a:t>3</a:t>
             </a:fld>
             <a:endParaRPr kumimoji="1" lang="ja-JP" altLang="en-US"/>
+          </a:p>
+        </p:txBody>
+      </p:sp>
+      <p:sp>
+        <p:nvSpPr>
+          <p:cNvPr id="7" name="正方形/長方形 6">
+            <a:extLst>
+              <a:ext uri="{FF2B5EF4-FFF2-40B4-BE49-F238E27FC236}">
+                <a16:creationId xmlns:a16="http://schemas.microsoft.com/office/drawing/2014/main" id="{B78DE8CA-8D48-43B7-A5A8-9D6034BB7886}"/>
+              </a:ext>
+            </a:extLst>
+          </p:cNvPr>
+          <p:cNvSpPr/>
+          <p:nvPr/>
+        </p:nvSpPr>
+        <p:spPr>
+          <a:xfrm>
+            <a:off x="1403648" y="5085184"/>
+            <a:ext cx="6120680" cy="792088"/>
+          </a:xfrm>
+          <a:prstGeom prst="rect">
+            <a:avLst/>
+          </a:prstGeom>
+        </p:spPr>
+        <p:style>
+          <a:lnRef idx="2">
+            <a:schemeClr val="accent1">
+              <a:shade val="50000"/>
+            </a:schemeClr>
+          </a:lnRef>
+          <a:fillRef idx="1">
+            <a:schemeClr val="accent1"/>
+          </a:fillRef>
+          <a:effectRef idx="0">
+            <a:schemeClr val="accent1"/>
+          </a:effectRef>
+          <a:fontRef idx="minor">
+            <a:schemeClr val="lt1"/>
+          </a:fontRef>
+        </p:style>
+        <p:txBody>
+          <a:bodyPr rtlCol="0" anchor="ctr"/>
+          <a:lstStyle/>
+          <a:p>
+            <a:r>
+              <a:rPr kumimoji="1" lang="ja-JP" altLang="en-US" dirty="0">
+                <a:solidFill>
+                  <a:schemeClr val="tx1"/>
+                </a:solidFill>
+              </a:rPr>
+              <a:t>時間は目安です</a:t>
+            </a:r>
+            <a:endParaRPr kumimoji="1" lang="en-US" altLang="ja-JP" dirty="0">
+              <a:solidFill>
+                <a:schemeClr val="tx1"/>
+              </a:solidFill>
+            </a:endParaRPr>
+          </a:p>
+          <a:p>
+            <a:r>
+              <a:rPr lang="ja-JP" altLang="en-US" dirty="0">
+                <a:solidFill>
+                  <a:schemeClr val="tx1"/>
+                </a:solidFill>
+              </a:rPr>
+              <a:t>質問は時間後も無くなるまで受け付けます</a:t>
+            </a:r>
+            <a:endParaRPr kumimoji="1" lang="ja-JP" altLang="en-US" dirty="0">
+              <a:solidFill>
+                <a:schemeClr val="tx1"/>
+              </a:solidFill>
+            </a:endParaRPr>
           </a:p>
         </p:txBody>
       </p:sp>
@@ -52942,7 +53413,7 @@
 </p:sld>
 </file>
 
-<file path=ppt/slides/slide3.xml><?xml version="1.0" encoding="utf-8"?>
+<file path=ppt/slides/slide4.xml><?xml version="1.0" encoding="utf-8"?>
 <p:sld xmlns:a="http://schemas.openxmlformats.org/drawingml/2006/main" xmlns:r="http://schemas.openxmlformats.org/officeDocument/2006/relationships" xmlns:p="http://schemas.openxmlformats.org/presentationml/2006/main">
   <p:cSld>
     <p:spTree>
@@ -52982,7 +53453,7 @@
           <a:p>
             <a:r>
               <a:rPr kumimoji="1" lang="ja-JP" altLang="en-US" dirty="0"/>
-              <a:t>質問とご意見</a:t>
+              <a:t>質問と意見交換</a:t>
             </a:r>
           </a:p>
         </p:txBody>
@@ -53005,8 +53476,8 @@
         </p:nvSpPr>
         <p:spPr>
           <a:xfrm>
-            <a:off x="457200" y="1500175"/>
-            <a:ext cx="8686800" cy="3867956"/>
+            <a:off x="107504" y="1500174"/>
+            <a:ext cx="9036496" cy="4089065"/>
           </a:xfrm>
         </p:spPr>
         <p:txBody>
@@ -53038,15 +53509,18 @@
             <a:endParaRPr kumimoji="1" lang="en-US" altLang="ja-JP" dirty="0"/>
           </a:p>
           <a:p>
-            <a:pPr lvl="1"/>
+            <a:r>
+              <a:rPr lang="en-US" altLang="ja-JP" dirty="0"/>
+              <a:t>1. </a:t>
+            </a:r>
             <a:r>
               <a:rPr lang="ja-JP" altLang="en-US" dirty="0"/>
-              <a:t>質問用</a:t>
+              <a:t>質問</a:t>
             </a:r>
             <a:endParaRPr lang="en-US" altLang="ja-JP" dirty="0"/>
           </a:p>
           <a:p>
-            <a:pPr lvl="2"/>
+            <a:pPr lvl="1"/>
             <a:r>
               <a:rPr lang="ja-JP" altLang="en-US" dirty="0"/>
               <a:t>説明内容やそれに関連する質問</a:t>
@@ -53056,13 +53530,24 @@
           <a:p>
             <a:pPr lvl="1"/>
             <a:r>
+              <a:rPr lang="ja-JP" altLang="en-US" dirty="0"/>
+              <a:t>説明中任意のタイミングでご質問ください</a:t>
+            </a:r>
+            <a:endParaRPr lang="en-US" altLang="ja-JP" dirty="0"/>
+          </a:p>
+          <a:p>
+            <a:r>
+              <a:rPr kumimoji="1" lang="en-US" altLang="ja-JP" dirty="0"/>
+              <a:t>2. </a:t>
+            </a:r>
+            <a:r>
               <a:rPr kumimoji="1" lang="ja-JP" altLang="en-US" dirty="0"/>
-              <a:t>ご意見・要望・コメント用</a:t>
+              <a:t>意見交換</a:t>
             </a:r>
             <a:endParaRPr kumimoji="1" lang="en-US" altLang="ja-JP" dirty="0"/>
           </a:p>
           <a:p>
-            <a:pPr lvl="2"/>
+            <a:pPr lvl="1"/>
             <a:r>
               <a:rPr lang="en-US" altLang="ja-JP" dirty="0" err="1"/>
               <a:t>utelecon</a:t>
@@ -53086,42 +53571,16 @@
             <a:endParaRPr kumimoji="1" lang="en-US" altLang="ja-JP" dirty="0"/>
           </a:p>
           <a:p>
-            <a:pPr lvl="2"/>
+            <a:pPr lvl="1"/>
+            <a:r>
+              <a:rPr lang="ja-JP" altLang="en-US"/>
+              <a:t>説明パート終了後</a:t>
+            </a:r>
             <a:r>
               <a:rPr lang="ja-JP" altLang="en-US" dirty="0"/>
-              <a:t>説明会後に少し意見交換の時間を取ります</a:t>
+              <a:t>に行います。お時間ありましたらぜひご参加ください</a:t>
             </a:r>
             <a:endParaRPr lang="en-US" altLang="ja-JP" dirty="0"/>
-          </a:p>
-          <a:p>
-            <a:r>
-              <a:rPr kumimoji="1" lang="en-US" altLang="ja-JP" dirty="0" err="1"/>
-              <a:t>LearnWiz</a:t>
-            </a:r>
-            <a:r>
-              <a:rPr kumimoji="1" lang="en-US" altLang="ja-JP" dirty="0"/>
-              <a:t> One</a:t>
-            </a:r>
-            <a:r>
-              <a:rPr kumimoji="1" lang="ja-JP" altLang="en-US" dirty="0"/>
-              <a:t>の</a:t>
-            </a:r>
-            <a:r>
-              <a:rPr kumimoji="1" lang="ja-JP" altLang="en-US" dirty="0">
-                <a:highlight>
-                  <a:srgbClr val="FFFF00"/>
-                </a:highlight>
-              </a:rPr>
-              <a:t>「いいね」機能やランダムにほかの人の意見が見える点についての説明</a:t>
-            </a:r>
-            <a:r>
-              <a:rPr kumimoji="1" lang="ja-JP" altLang="en-US" dirty="0"/>
-              <a:t>は</a:t>
-            </a:r>
-            <a:r>
-              <a:rPr kumimoji="1" lang="en-US" altLang="ja-JP" dirty="0"/>
-              <a:t>?</a:t>
-            </a:r>
           </a:p>
         </p:txBody>
       </p:sp>
@@ -53215,7 +53674,7 @@
             <a:fld id="{EDF77D8D-9987-453A-9A05-EB91CA595C68}" type="slidenum">
               <a:rPr kumimoji="1" lang="ja-JP" altLang="en-US" smtClean="0"/>
               <a:pPr/>
-              <a:t>3</a:t>
+              <a:t>4</a:t>
             </a:fld>
             <a:endParaRPr kumimoji="1" lang="ja-JP" altLang="en-US"/>
           </a:p>
@@ -53235,7 +53694,7 @@
         </p:nvSpPr>
         <p:spPr>
           <a:xfrm>
-            <a:off x="2123728" y="5733256"/>
+            <a:off x="2123728" y="5582095"/>
             <a:ext cx="6408712" cy="623094"/>
           </a:xfrm>
           <a:prstGeom prst="rect">

--- a/events/2022-03-16/slides/00-index.pptx
+++ b/events/2022-03-16/slides/00-index.pptx
@@ -53177,7 +53177,7 @@
             </a:r>
             <a:r>
               <a:rPr lang="en-US" altLang="ja-JP" sz="2000" dirty="0"/>
-              <a:t>15</a:t>
+              <a:t>20</a:t>
             </a:r>
             <a:r>
               <a:rPr lang="ja-JP" altLang="en-US" sz="2000" dirty="0"/>
@@ -53207,7 +53207,7 @@
             </a:r>
             <a:r>
               <a:rPr lang="en-US" altLang="ja-JP" sz="2000" dirty="0"/>
-              <a:t>15</a:t>
+              <a:t>20</a:t>
             </a:r>
             <a:r>
               <a:rPr lang="ja-JP" altLang="en-US" sz="2000" dirty="0"/>
@@ -53240,8 +53240,8 @@
               <a:t>鈴木 </a:t>
             </a:r>
             <a:r>
-              <a:rPr lang="en-US" altLang="ja-JP" sz="2000" dirty="0"/>
-              <a:t>20</a:t>
+              <a:rPr lang="en-US" altLang="ja-JP" sz="2000"/>
+              <a:t>10</a:t>
             </a:r>
             <a:r>
               <a:rPr lang="ja-JP" altLang="en-US" sz="2000" dirty="0"/>

--- a/events/2022-03-16/slides/00-index.pptx
+++ b/events/2022-03-16/slides/00-index.pptx
@@ -53522,8 +53522,16 @@
           <a:p>
             <a:pPr lvl="1"/>
             <a:r>
-              <a:rPr lang="ja-JP" altLang="en-US" dirty="0"/>
-              <a:t>説明内容やそれに関連する質問</a:t>
+              <a:rPr lang="ja-JP" altLang="en-US"/>
+              <a:t>説明内容への質問や、</a:t>
+            </a:r>
+            <a:r>
+              <a:rPr lang="en-US" altLang="ja-JP" dirty="0"/>
+              <a:t>ICT</a:t>
+            </a:r>
+            <a:r>
+              <a:rPr lang="ja-JP" altLang="en-US"/>
+              <a:t>に関する困りごとや相談など</a:t>
             </a:r>
             <a:endParaRPr lang="en-US" altLang="ja-JP" dirty="0"/>
           </a:p>
@@ -53549,24 +53557,16 @@
           <a:p>
             <a:pPr lvl="1"/>
             <a:r>
-              <a:rPr lang="en-US" altLang="ja-JP" dirty="0" err="1"/>
-              <a:t>utelecon</a:t>
+              <a:rPr lang="ja-JP" altLang="en-US"/>
+              <a:t>テーマ</a:t>
             </a:r>
             <a:r>
               <a:rPr lang="en-US" altLang="ja-JP" dirty="0"/>
-              <a:t>, </a:t>
+              <a:t>: ICT</a:t>
             </a:r>
             <a:r>
-              <a:rPr lang="ja-JP" altLang="en-US" dirty="0"/>
-              <a:t>説明会、全学の</a:t>
-            </a:r>
-            <a:r>
-              <a:rPr lang="en-US" altLang="ja-JP" dirty="0"/>
-              <a:t>ICT</a:t>
-            </a:r>
-            <a:r>
-              <a:rPr lang="ja-JP" altLang="en-US" dirty="0"/>
-              <a:t>への感想、要望、なんでも</a:t>
+              <a:rPr lang="ja-JP" altLang="en-US"/>
+              <a:t>活用に関する身近なグッドプラクティス</a:t>
             </a:r>
             <a:endParaRPr kumimoji="1" lang="en-US" altLang="ja-JP" dirty="0"/>
           </a:p>
@@ -53574,11 +53574,7 @@
             <a:pPr lvl="1"/>
             <a:r>
               <a:rPr lang="ja-JP" altLang="en-US"/>
-              <a:t>説明パート終了後</a:t>
-            </a:r>
-            <a:r>
-              <a:rPr lang="ja-JP" altLang="en-US" dirty="0"/>
-              <a:t>に行います。お時間ありましたらぜひご参加ください</a:t>
+              <a:t>説明パート終了後に行います。お時間ありましたらぜひご参加ください</a:t>
             </a:r>
             <a:endParaRPr lang="en-US" altLang="ja-JP" dirty="0"/>
           </a:p>
